--- a/지난 프로젝트/한국해양교통안전공단/종합 정리/ppt/서버 구성.pptx
+++ b/지난 프로젝트/한국해양교통안전공단/종합 정리/ppt/서버 구성.pptx
@@ -7,6 +7,8 @@
   <p:sldIdLst>
     <p:sldId id="257" r:id="rId2"/>
     <p:sldId id="258" r:id="rId3"/>
+    <p:sldId id="259" r:id="rId4"/>
+    <p:sldId id="260" r:id="rId5"/>
   </p:sldIdLst>
   <p:sldSz cx="12192000" cy="6858000"/>
   <p:notesSz cx="6858000" cy="9144000"/>
@@ -105,6 +107,11 @@
       </a:defRPr>
     </a:lvl9pPr>
   </p:defaultTextStyle>
+  <p:extLst>
+    <p:ext uri="{EFAFB233-063F-42B5-8137-9DF3F51BA10A}">
+      <p15:sldGuideLst xmlns:p15="http://schemas.microsoft.com/office/powerpoint/2012/main"/>
+    </p:ext>
+  </p:extLst>
 </p:presentation>
 </file>
 
@@ -239,7 +246,7 @@
           <a:p>
             <a:fld id="{1BD67C6C-5AFD-4861-A48B-06038DCE0ABE}" type="datetimeFigureOut">
               <a:rPr lang="ko-KR" altLang="en-US" smtClean="0"/>
-              <a:t>2023-09-08</a:t>
+              <a:t>2023-09-09</a:t>
             </a:fld>
             <a:endParaRPr lang="ko-KR" altLang="en-US"/>
           </a:p>
@@ -409,7 +416,7 @@
           <a:p>
             <a:fld id="{1BD67C6C-5AFD-4861-A48B-06038DCE0ABE}" type="datetimeFigureOut">
               <a:rPr lang="ko-KR" altLang="en-US" smtClean="0"/>
-              <a:t>2023-09-08</a:t>
+              <a:t>2023-09-09</a:t>
             </a:fld>
             <a:endParaRPr lang="ko-KR" altLang="en-US"/>
           </a:p>
@@ -589,7 +596,7 @@
           <a:p>
             <a:fld id="{1BD67C6C-5AFD-4861-A48B-06038DCE0ABE}" type="datetimeFigureOut">
               <a:rPr lang="ko-KR" altLang="en-US" smtClean="0"/>
-              <a:t>2023-09-08</a:t>
+              <a:t>2023-09-09</a:t>
             </a:fld>
             <a:endParaRPr lang="ko-KR" altLang="en-US"/>
           </a:p>
@@ -759,7 +766,7 @@
           <a:p>
             <a:fld id="{1BD67C6C-5AFD-4861-A48B-06038DCE0ABE}" type="datetimeFigureOut">
               <a:rPr lang="ko-KR" altLang="en-US" smtClean="0"/>
-              <a:t>2023-09-08</a:t>
+              <a:t>2023-09-09</a:t>
             </a:fld>
             <a:endParaRPr lang="ko-KR" altLang="en-US"/>
           </a:p>
@@ -1005,7 +1012,7 @@
           <a:p>
             <a:fld id="{1BD67C6C-5AFD-4861-A48B-06038DCE0ABE}" type="datetimeFigureOut">
               <a:rPr lang="ko-KR" altLang="en-US" smtClean="0"/>
-              <a:t>2023-09-08</a:t>
+              <a:t>2023-09-09</a:t>
             </a:fld>
             <a:endParaRPr lang="ko-KR" altLang="en-US"/>
           </a:p>
@@ -1237,7 +1244,7 @@
           <a:p>
             <a:fld id="{1BD67C6C-5AFD-4861-A48B-06038DCE0ABE}" type="datetimeFigureOut">
               <a:rPr lang="ko-KR" altLang="en-US" smtClean="0"/>
-              <a:t>2023-09-08</a:t>
+              <a:t>2023-09-09</a:t>
             </a:fld>
             <a:endParaRPr lang="ko-KR" altLang="en-US"/>
           </a:p>
@@ -1604,7 +1611,7 @@
           <a:p>
             <a:fld id="{1BD67C6C-5AFD-4861-A48B-06038DCE0ABE}" type="datetimeFigureOut">
               <a:rPr lang="ko-KR" altLang="en-US" smtClean="0"/>
-              <a:t>2023-09-08</a:t>
+              <a:t>2023-09-09</a:t>
             </a:fld>
             <a:endParaRPr lang="ko-KR" altLang="en-US"/>
           </a:p>
@@ -1722,7 +1729,7 @@
           <a:p>
             <a:fld id="{1BD67C6C-5AFD-4861-A48B-06038DCE0ABE}" type="datetimeFigureOut">
               <a:rPr lang="ko-KR" altLang="en-US" smtClean="0"/>
-              <a:t>2023-09-08</a:t>
+              <a:t>2023-09-09</a:t>
             </a:fld>
             <a:endParaRPr lang="ko-KR" altLang="en-US"/>
           </a:p>
@@ -1817,7 +1824,7 @@
           <a:p>
             <a:fld id="{1BD67C6C-5AFD-4861-A48B-06038DCE0ABE}" type="datetimeFigureOut">
               <a:rPr lang="ko-KR" altLang="en-US" smtClean="0"/>
-              <a:t>2023-09-08</a:t>
+              <a:t>2023-09-09</a:t>
             </a:fld>
             <a:endParaRPr lang="ko-KR" altLang="en-US"/>
           </a:p>
@@ -2094,7 +2101,7 @@
           <a:p>
             <a:fld id="{1BD67C6C-5AFD-4861-A48B-06038DCE0ABE}" type="datetimeFigureOut">
               <a:rPr lang="ko-KR" altLang="en-US" smtClean="0"/>
-              <a:t>2023-09-08</a:t>
+              <a:t>2023-09-09</a:t>
             </a:fld>
             <a:endParaRPr lang="ko-KR" altLang="en-US"/>
           </a:p>
@@ -2347,7 +2354,7 @@
           <a:p>
             <a:fld id="{1BD67C6C-5AFD-4861-A48B-06038DCE0ABE}" type="datetimeFigureOut">
               <a:rPr lang="ko-KR" altLang="en-US" smtClean="0"/>
-              <a:t>2023-09-08</a:t>
+              <a:t>2023-09-09</a:t>
             </a:fld>
             <a:endParaRPr lang="ko-KR" altLang="en-US"/>
           </a:p>
@@ -2560,7 +2567,7 @@
           <a:p>
             <a:fld id="{1BD67C6C-5AFD-4861-A48B-06038DCE0ABE}" type="datetimeFigureOut">
               <a:rPr lang="ko-KR" altLang="en-US" smtClean="0"/>
-              <a:t>2023-09-08</a:t>
+              <a:t>2023-09-09</a:t>
             </a:fld>
             <a:endParaRPr lang="ko-KR" altLang="en-US"/>
           </a:p>
@@ -6020,6 +6027,501 @@
 </p:sld>
 </file>
 
+<file path=ppt/slides/slide3.xml><?xml version="1.0" encoding="utf-8"?>
+<p:sld xmlns:a="http://schemas.openxmlformats.org/drawingml/2006/main" xmlns:r="http://schemas.openxmlformats.org/officeDocument/2006/relationships" xmlns:p="http://schemas.openxmlformats.org/presentationml/2006/main">
+  <p:cSld>
+    <p:spTree>
+      <p:nvGrpSpPr>
+        <p:cNvPr id="1" name=""/>
+        <p:cNvGrpSpPr/>
+        <p:nvPr/>
+      </p:nvGrpSpPr>
+      <p:grpSpPr>
+        <a:xfrm>
+          <a:off x="0" y="0"/>
+          <a:ext cx="0" cy="0"/>
+          <a:chOff x="0" y="0"/>
+          <a:chExt cx="0" cy="0"/>
+        </a:xfrm>
+      </p:grpSpPr>
+      <p:sp>
+        <p:nvSpPr>
+          <p:cNvPr id="2" name="제목 1"/>
+          <p:cNvSpPr>
+            <a:spLocks noGrp="1"/>
+          </p:cNvSpPr>
+          <p:nvPr>
+            <p:ph type="title"/>
+          </p:nvPr>
+        </p:nvSpPr>
+        <p:spPr>
+          <a:xfrm>
+            <a:off x="110362" y="74943"/>
+            <a:ext cx="10515600" cy="586853"/>
+          </a:xfrm>
+        </p:spPr>
+        <p:txBody>
+          <a:bodyPr>
+            <a:normAutofit/>
+          </a:bodyPr>
+          <a:lstStyle/>
+          <a:p>
+            <a:r>
+              <a:rPr lang="ko-KR" altLang="en-US" sz="3200" dirty="0" err="1" smtClean="0"/>
+              <a:t>메인화면</a:t>
+            </a:r>
+            <a:endParaRPr lang="ko-KR" altLang="en-US" sz="3200" dirty="0"/>
+          </a:p>
+        </p:txBody>
+      </p:sp>
+      <p:sp>
+        <p:nvSpPr>
+          <p:cNvPr id="3" name="직사각형 2"/>
+          <p:cNvSpPr/>
+          <p:nvPr/>
+        </p:nvSpPr>
+        <p:spPr>
+          <a:xfrm>
+            <a:off x="914400" y="2024740"/>
+            <a:ext cx="7640877" cy="3942657"/>
+          </a:xfrm>
+          <a:prstGeom prst="rect">
+            <a:avLst/>
+          </a:prstGeom>
+        </p:spPr>
+        <p:style>
+          <a:lnRef idx="2">
+            <a:schemeClr val="accent1">
+              <a:shade val="50000"/>
+            </a:schemeClr>
+          </a:lnRef>
+          <a:fillRef idx="1">
+            <a:schemeClr val="accent1"/>
+          </a:fillRef>
+          <a:effectRef idx="0">
+            <a:schemeClr val="accent1"/>
+          </a:effectRef>
+          <a:fontRef idx="minor">
+            <a:schemeClr val="lt1"/>
+          </a:fontRef>
+        </p:style>
+        <p:txBody>
+          <a:bodyPr rtlCol="0" anchor="ctr"/>
+          <a:lstStyle/>
+          <a:p>
+            <a:pPr algn="ctr"/>
+            <a:endParaRPr lang="ko-KR" altLang="en-US"/>
+          </a:p>
+        </p:txBody>
+      </p:sp>
+      <p:sp>
+        <p:nvSpPr>
+          <p:cNvPr id="6" name="직사각형 5"/>
+          <p:cNvSpPr/>
+          <p:nvPr/>
+        </p:nvSpPr>
+        <p:spPr>
+          <a:xfrm>
+            <a:off x="1114816" y="2188926"/>
+            <a:ext cx="3507288" cy="1099220"/>
+          </a:xfrm>
+          <a:prstGeom prst="rect">
+            <a:avLst/>
+          </a:prstGeom>
+        </p:spPr>
+        <p:style>
+          <a:lnRef idx="2">
+            <a:schemeClr val="accent6"/>
+          </a:lnRef>
+          <a:fillRef idx="1">
+            <a:schemeClr val="lt1"/>
+          </a:fillRef>
+          <a:effectRef idx="0">
+            <a:schemeClr val="accent6"/>
+          </a:effectRef>
+          <a:fontRef idx="minor">
+            <a:schemeClr val="dk1"/>
+          </a:fontRef>
+        </p:style>
+        <p:txBody>
+          <a:bodyPr rtlCol="0" anchor="ctr"/>
+          <a:lstStyle/>
+          <a:p>
+            <a:pPr algn="ctr"/>
+            <a:r>
+              <a:rPr lang="ko-KR" altLang="en-US" dirty="0" err="1" smtClean="0"/>
+              <a:t>포틀릿</a:t>
+            </a:r>
+            <a:endParaRPr lang="ko-KR" altLang="en-US" dirty="0"/>
+          </a:p>
+        </p:txBody>
+      </p:sp>
+      <p:sp>
+        <p:nvSpPr>
+          <p:cNvPr id="38" name="직사각형 37"/>
+          <p:cNvSpPr/>
+          <p:nvPr/>
+        </p:nvSpPr>
+        <p:spPr>
+          <a:xfrm>
+            <a:off x="1114816" y="3413624"/>
+            <a:ext cx="3507288" cy="1099220"/>
+          </a:xfrm>
+          <a:prstGeom prst="rect">
+            <a:avLst/>
+          </a:prstGeom>
+        </p:spPr>
+        <p:style>
+          <a:lnRef idx="2">
+            <a:schemeClr val="accent6"/>
+          </a:lnRef>
+          <a:fillRef idx="1">
+            <a:schemeClr val="lt1"/>
+          </a:fillRef>
+          <a:effectRef idx="0">
+            <a:schemeClr val="accent6"/>
+          </a:effectRef>
+          <a:fontRef idx="minor">
+            <a:schemeClr val="dk1"/>
+          </a:fontRef>
+        </p:style>
+        <p:txBody>
+          <a:bodyPr rtlCol="0" anchor="ctr"/>
+          <a:lstStyle/>
+          <a:p>
+            <a:pPr algn="ctr"/>
+            <a:r>
+              <a:rPr lang="ko-KR" altLang="en-US"/>
+              <a:t>포틀릿</a:t>
+            </a:r>
+          </a:p>
+        </p:txBody>
+      </p:sp>
+      <p:sp>
+        <p:nvSpPr>
+          <p:cNvPr id="39" name="직사각형 38"/>
+          <p:cNvSpPr/>
+          <p:nvPr/>
+        </p:nvSpPr>
+        <p:spPr>
+          <a:xfrm>
+            <a:off x="1114816" y="4623920"/>
+            <a:ext cx="3507288" cy="1099220"/>
+          </a:xfrm>
+          <a:prstGeom prst="rect">
+            <a:avLst/>
+          </a:prstGeom>
+        </p:spPr>
+        <p:style>
+          <a:lnRef idx="2">
+            <a:schemeClr val="accent6"/>
+          </a:lnRef>
+          <a:fillRef idx="1">
+            <a:schemeClr val="lt1"/>
+          </a:fillRef>
+          <a:effectRef idx="0">
+            <a:schemeClr val="accent6"/>
+          </a:effectRef>
+          <a:fontRef idx="minor">
+            <a:schemeClr val="dk1"/>
+          </a:fontRef>
+        </p:style>
+        <p:txBody>
+          <a:bodyPr rtlCol="0" anchor="ctr"/>
+          <a:lstStyle/>
+          <a:p>
+            <a:pPr algn="ctr"/>
+            <a:r>
+              <a:rPr lang="ko-KR" altLang="en-US" dirty="0" err="1"/>
+              <a:t>포틀릿</a:t>
+            </a:r>
+            <a:endParaRPr lang="ko-KR" altLang="en-US" dirty="0"/>
+          </a:p>
+        </p:txBody>
+      </p:sp>
+      <p:sp>
+        <p:nvSpPr>
+          <p:cNvPr id="41" name="직사각형 40"/>
+          <p:cNvSpPr/>
+          <p:nvPr/>
+        </p:nvSpPr>
+        <p:spPr>
+          <a:xfrm>
+            <a:off x="4822520" y="2188926"/>
+            <a:ext cx="3507288" cy="1099220"/>
+          </a:xfrm>
+          <a:prstGeom prst="rect">
+            <a:avLst/>
+          </a:prstGeom>
+        </p:spPr>
+        <p:style>
+          <a:lnRef idx="2">
+            <a:schemeClr val="accent6"/>
+          </a:lnRef>
+          <a:fillRef idx="1">
+            <a:schemeClr val="lt1"/>
+          </a:fillRef>
+          <a:effectRef idx="0">
+            <a:schemeClr val="accent6"/>
+          </a:effectRef>
+          <a:fontRef idx="minor">
+            <a:schemeClr val="dk1"/>
+          </a:fontRef>
+        </p:style>
+        <p:txBody>
+          <a:bodyPr rtlCol="0" anchor="ctr"/>
+          <a:lstStyle/>
+          <a:p>
+            <a:pPr algn="ctr"/>
+            <a:r>
+              <a:rPr lang="ko-KR" altLang="en-US"/>
+              <a:t>포틀릿</a:t>
+            </a:r>
+          </a:p>
+        </p:txBody>
+      </p:sp>
+      <p:sp>
+        <p:nvSpPr>
+          <p:cNvPr id="43" name="직사각형 42"/>
+          <p:cNvSpPr/>
+          <p:nvPr/>
+        </p:nvSpPr>
+        <p:spPr>
+          <a:xfrm>
+            <a:off x="4822520" y="3413624"/>
+            <a:ext cx="3507288" cy="1099220"/>
+          </a:xfrm>
+          <a:prstGeom prst="rect">
+            <a:avLst/>
+          </a:prstGeom>
+        </p:spPr>
+        <p:style>
+          <a:lnRef idx="2">
+            <a:schemeClr val="accent6"/>
+          </a:lnRef>
+          <a:fillRef idx="1">
+            <a:schemeClr val="lt1"/>
+          </a:fillRef>
+          <a:effectRef idx="0">
+            <a:schemeClr val="accent6"/>
+          </a:effectRef>
+          <a:fontRef idx="minor">
+            <a:schemeClr val="dk1"/>
+          </a:fontRef>
+        </p:style>
+        <p:txBody>
+          <a:bodyPr rtlCol="0" anchor="ctr"/>
+          <a:lstStyle/>
+          <a:p>
+            <a:pPr algn="ctr"/>
+            <a:r>
+              <a:rPr lang="ko-KR" altLang="en-US"/>
+              <a:t>포틀릿</a:t>
+            </a:r>
+          </a:p>
+        </p:txBody>
+      </p:sp>
+      <p:sp>
+        <p:nvSpPr>
+          <p:cNvPr id="45" name="직사각형 44"/>
+          <p:cNvSpPr/>
+          <p:nvPr/>
+        </p:nvSpPr>
+        <p:spPr>
+          <a:xfrm>
+            <a:off x="4822520" y="4623920"/>
+            <a:ext cx="3507288" cy="1099220"/>
+          </a:xfrm>
+          <a:prstGeom prst="rect">
+            <a:avLst/>
+          </a:prstGeom>
+        </p:spPr>
+        <p:style>
+          <a:lnRef idx="2">
+            <a:schemeClr val="accent6"/>
+          </a:lnRef>
+          <a:fillRef idx="1">
+            <a:schemeClr val="lt1"/>
+          </a:fillRef>
+          <a:effectRef idx="0">
+            <a:schemeClr val="accent6"/>
+          </a:effectRef>
+          <a:fontRef idx="minor">
+            <a:schemeClr val="dk1"/>
+          </a:fontRef>
+        </p:style>
+        <p:txBody>
+          <a:bodyPr rtlCol="0" anchor="ctr"/>
+          <a:lstStyle/>
+          <a:p>
+            <a:pPr algn="ctr"/>
+            <a:r>
+              <a:rPr lang="ko-KR" altLang="en-US"/>
+              <a:t>포틀릿</a:t>
+            </a:r>
+          </a:p>
+        </p:txBody>
+      </p:sp>
+      <p:sp>
+        <p:nvSpPr>
+          <p:cNvPr id="46" name="직사각형 45"/>
+          <p:cNvSpPr/>
+          <p:nvPr/>
+        </p:nvSpPr>
+        <p:spPr>
+          <a:xfrm>
+            <a:off x="914399" y="6019586"/>
+            <a:ext cx="7640877" cy="354908"/>
+          </a:xfrm>
+          <a:prstGeom prst="rect">
+            <a:avLst/>
+          </a:prstGeom>
+          <a:ln w="38100">
+            <a:prstDash val="sysDash"/>
+          </a:ln>
+        </p:spPr>
+        <p:style>
+          <a:lnRef idx="2">
+            <a:schemeClr val="accent6"/>
+          </a:lnRef>
+          <a:fillRef idx="1">
+            <a:schemeClr val="lt1"/>
+          </a:fillRef>
+          <a:effectRef idx="0">
+            <a:schemeClr val="accent6"/>
+          </a:effectRef>
+          <a:fontRef idx="minor">
+            <a:schemeClr val="dk1"/>
+          </a:fontRef>
+        </p:style>
+        <p:txBody>
+          <a:bodyPr rtlCol="0" anchor="ctr"/>
+          <a:lstStyle/>
+          <a:p>
+            <a:pPr algn="ctr"/>
+            <a:r>
+              <a:rPr lang="ko-KR" altLang="en-US" dirty="0" err="1" smtClean="0"/>
+              <a:t>숨은화면</a:t>
+            </a:r>
+            <a:endParaRPr lang="ko-KR" altLang="en-US" dirty="0"/>
+          </a:p>
+        </p:txBody>
+      </p:sp>
+      <p:sp>
+        <p:nvSpPr>
+          <p:cNvPr id="47" name="직사각형 46"/>
+          <p:cNvSpPr/>
+          <p:nvPr/>
+        </p:nvSpPr>
+        <p:spPr>
+          <a:xfrm>
+            <a:off x="914398" y="1084214"/>
+            <a:ext cx="7640877" cy="815047"/>
+          </a:xfrm>
+          <a:prstGeom prst="rect">
+            <a:avLst/>
+          </a:prstGeom>
+        </p:spPr>
+        <p:style>
+          <a:lnRef idx="2">
+            <a:schemeClr val="accent6"/>
+          </a:lnRef>
+          <a:fillRef idx="1">
+            <a:schemeClr val="lt1"/>
+          </a:fillRef>
+          <a:effectRef idx="0">
+            <a:schemeClr val="accent6"/>
+          </a:effectRef>
+          <a:fontRef idx="minor">
+            <a:schemeClr val="dk1"/>
+          </a:fontRef>
+        </p:style>
+        <p:txBody>
+          <a:bodyPr rtlCol="0" anchor="ctr"/>
+          <a:lstStyle/>
+          <a:p>
+            <a:pPr algn="ctr"/>
+            <a:r>
+              <a:rPr lang="ko-KR" altLang="en-US" dirty="0" smtClean="0"/>
+              <a:t>메인메뉴목록</a:t>
+            </a:r>
+            <a:endParaRPr lang="ko-KR" altLang="en-US" dirty="0"/>
+          </a:p>
+        </p:txBody>
+      </p:sp>
+    </p:spTree>
+    <p:extLst>
+      <p:ext uri="{BB962C8B-B14F-4D97-AF65-F5344CB8AC3E}">
+        <p14:creationId xmlns:p14="http://schemas.microsoft.com/office/powerpoint/2010/main" val="3882812902"/>
+      </p:ext>
+    </p:extLst>
+  </p:cSld>
+  <p:clrMapOvr>
+    <a:masterClrMapping/>
+  </p:clrMapOvr>
+</p:sld>
+</file>
+
+<file path=ppt/slides/slide4.xml><?xml version="1.0" encoding="utf-8"?>
+<p:sld xmlns:a="http://schemas.openxmlformats.org/drawingml/2006/main" xmlns:r="http://schemas.openxmlformats.org/officeDocument/2006/relationships" xmlns:p="http://schemas.openxmlformats.org/presentationml/2006/main">
+  <p:cSld>
+    <p:spTree>
+      <p:nvGrpSpPr>
+        <p:cNvPr id="1" name=""/>
+        <p:cNvGrpSpPr/>
+        <p:nvPr/>
+      </p:nvGrpSpPr>
+      <p:grpSpPr>
+        <a:xfrm>
+          <a:off x="0" y="0"/>
+          <a:ext cx="0" cy="0"/>
+          <a:chOff x="0" y="0"/>
+          <a:chExt cx="0" cy="0"/>
+        </a:xfrm>
+      </p:grpSpPr>
+      <p:sp>
+        <p:nvSpPr>
+          <p:cNvPr id="2" name="제목 1"/>
+          <p:cNvSpPr>
+            <a:spLocks noGrp="1"/>
+          </p:cNvSpPr>
+          <p:nvPr>
+            <p:ph type="title"/>
+          </p:nvPr>
+        </p:nvSpPr>
+        <p:spPr>
+          <a:xfrm>
+            <a:off x="110362" y="74943"/>
+            <a:ext cx="10515600" cy="586853"/>
+          </a:xfrm>
+        </p:spPr>
+        <p:txBody>
+          <a:bodyPr>
+            <a:normAutofit/>
+          </a:bodyPr>
+          <a:lstStyle/>
+          <a:p>
+            <a:r>
+              <a:rPr lang="ko-KR" altLang="en-US" sz="3200" dirty="0" smtClean="0"/>
+              <a:t>메뉴 화면 공통</a:t>
+            </a:r>
+            <a:endParaRPr lang="ko-KR" altLang="en-US" sz="3200" dirty="0"/>
+          </a:p>
+        </p:txBody>
+      </p:sp>
+    </p:spTree>
+    <p:extLst>
+      <p:ext uri="{BB962C8B-B14F-4D97-AF65-F5344CB8AC3E}">
+        <p14:creationId xmlns:p14="http://schemas.microsoft.com/office/powerpoint/2010/main" val="3825389219"/>
+      </p:ext>
+    </p:extLst>
+  </p:cSld>
+  <p:clrMapOvr>
+    <a:masterClrMapping/>
+  </p:clrMapOvr>
+</p:sld>
+</file>
+
 <file path=ppt/theme/theme1.xml><?xml version="1.0" encoding="utf-8"?>
 <a:theme xmlns:a="http://schemas.openxmlformats.org/drawingml/2006/main" name="Office 테마">
   <a:themeElements>

--- a/지난 프로젝트/한국해양교통안전공단/종합 정리/ppt/서버 구성.pptx
+++ b/지난 프로젝트/한국해양교통안전공단/종합 정리/ppt/서버 구성.pptx
@@ -246,7 +246,7 @@
           <a:p>
             <a:fld id="{1BD67C6C-5AFD-4861-A48B-06038DCE0ABE}" type="datetimeFigureOut">
               <a:rPr lang="ko-KR" altLang="en-US" smtClean="0"/>
-              <a:t>2023-09-09</a:t>
+              <a:t>2023-09-11</a:t>
             </a:fld>
             <a:endParaRPr lang="ko-KR" altLang="en-US"/>
           </a:p>
@@ -416,7 +416,7 @@
           <a:p>
             <a:fld id="{1BD67C6C-5AFD-4861-A48B-06038DCE0ABE}" type="datetimeFigureOut">
               <a:rPr lang="ko-KR" altLang="en-US" smtClean="0"/>
-              <a:t>2023-09-09</a:t>
+              <a:t>2023-09-11</a:t>
             </a:fld>
             <a:endParaRPr lang="ko-KR" altLang="en-US"/>
           </a:p>
@@ -596,7 +596,7 @@
           <a:p>
             <a:fld id="{1BD67C6C-5AFD-4861-A48B-06038DCE0ABE}" type="datetimeFigureOut">
               <a:rPr lang="ko-KR" altLang="en-US" smtClean="0"/>
-              <a:t>2023-09-09</a:t>
+              <a:t>2023-09-11</a:t>
             </a:fld>
             <a:endParaRPr lang="ko-KR" altLang="en-US"/>
           </a:p>
@@ -766,7 +766,7 @@
           <a:p>
             <a:fld id="{1BD67C6C-5AFD-4861-A48B-06038DCE0ABE}" type="datetimeFigureOut">
               <a:rPr lang="ko-KR" altLang="en-US" smtClean="0"/>
-              <a:t>2023-09-09</a:t>
+              <a:t>2023-09-11</a:t>
             </a:fld>
             <a:endParaRPr lang="ko-KR" altLang="en-US"/>
           </a:p>
@@ -1012,7 +1012,7 @@
           <a:p>
             <a:fld id="{1BD67C6C-5AFD-4861-A48B-06038DCE0ABE}" type="datetimeFigureOut">
               <a:rPr lang="ko-KR" altLang="en-US" smtClean="0"/>
-              <a:t>2023-09-09</a:t>
+              <a:t>2023-09-11</a:t>
             </a:fld>
             <a:endParaRPr lang="ko-KR" altLang="en-US"/>
           </a:p>
@@ -1244,7 +1244,7 @@
           <a:p>
             <a:fld id="{1BD67C6C-5AFD-4861-A48B-06038DCE0ABE}" type="datetimeFigureOut">
               <a:rPr lang="ko-KR" altLang="en-US" smtClean="0"/>
-              <a:t>2023-09-09</a:t>
+              <a:t>2023-09-11</a:t>
             </a:fld>
             <a:endParaRPr lang="ko-KR" altLang="en-US"/>
           </a:p>
@@ -1611,7 +1611,7 @@
           <a:p>
             <a:fld id="{1BD67C6C-5AFD-4861-A48B-06038DCE0ABE}" type="datetimeFigureOut">
               <a:rPr lang="ko-KR" altLang="en-US" smtClean="0"/>
-              <a:t>2023-09-09</a:t>
+              <a:t>2023-09-11</a:t>
             </a:fld>
             <a:endParaRPr lang="ko-KR" altLang="en-US"/>
           </a:p>
@@ -1729,7 +1729,7 @@
           <a:p>
             <a:fld id="{1BD67C6C-5AFD-4861-A48B-06038DCE0ABE}" type="datetimeFigureOut">
               <a:rPr lang="ko-KR" altLang="en-US" smtClean="0"/>
-              <a:t>2023-09-09</a:t>
+              <a:t>2023-09-11</a:t>
             </a:fld>
             <a:endParaRPr lang="ko-KR" altLang="en-US"/>
           </a:p>
@@ -1824,7 +1824,7 @@
           <a:p>
             <a:fld id="{1BD67C6C-5AFD-4861-A48B-06038DCE0ABE}" type="datetimeFigureOut">
               <a:rPr lang="ko-KR" altLang="en-US" smtClean="0"/>
-              <a:t>2023-09-09</a:t>
+              <a:t>2023-09-11</a:t>
             </a:fld>
             <a:endParaRPr lang="ko-KR" altLang="en-US"/>
           </a:p>
@@ -2101,7 +2101,7 @@
           <a:p>
             <a:fld id="{1BD67C6C-5AFD-4861-A48B-06038DCE0ABE}" type="datetimeFigureOut">
               <a:rPr lang="ko-KR" altLang="en-US" smtClean="0"/>
-              <a:t>2023-09-09</a:t>
+              <a:t>2023-09-11</a:t>
             </a:fld>
             <a:endParaRPr lang="ko-KR" altLang="en-US"/>
           </a:p>
@@ -2354,7 +2354,7 @@
           <a:p>
             <a:fld id="{1BD67C6C-5AFD-4861-A48B-06038DCE0ABE}" type="datetimeFigureOut">
               <a:rPr lang="ko-KR" altLang="en-US" smtClean="0"/>
-              <a:t>2023-09-09</a:t>
+              <a:t>2023-09-11</a:t>
             </a:fld>
             <a:endParaRPr lang="ko-KR" altLang="en-US"/>
           </a:p>
@@ -2567,7 +2567,7 @@
           <a:p>
             <a:fld id="{1BD67C6C-5AFD-4861-A48B-06038DCE0ABE}" type="datetimeFigureOut">
               <a:rPr lang="ko-KR" altLang="en-US" smtClean="0"/>
-              <a:t>2023-09-09</a:t>
+              <a:t>2023-09-11</a:t>
             </a:fld>
             <a:endParaRPr lang="ko-KR" altLang="en-US"/>
           </a:p>
@@ -6509,6 +6509,286 @@
           </a:p>
         </p:txBody>
       </p:sp>
+      <p:sp>
+        <p:nvSpPr>
+          <p:cNvPr id="3" name="직사각형 2"/>
+          <p:cNvSpPr/>
+          <p:nvPr/>
+        </p:nvSpPr>
+        <p:spPr>
+          <a:xfrm>
+            <a:off x="1521229" y="1039091"/>
+            <a:ext cx="9335193" cy="490451"/>
+          </a:xfrm>
+          <a:prstGeom prst="rect">
+            <a:avLst/>
+          </a:prstGeom>
+          <a:solidFill>
+            <a:schemeClr val="bg1"/>
+          </a:solidFill>
+          <a:ln w="25400"/>
+        </p:spPr>
+        <p:style>
+          <a:lnRef idx="2">
+            <a:schemeClr val="accent1">
+              <a:shade val="50000"/>
+            </a:schemeClr>
+          </a:lnRef>
+          <a:fillRef idx="1">
+            <a:schemeClr val="accent1"/>
+          </a:fillRef>
+          <a:effectRef idx="0">
+            <a:schemeClr val="accent1"/>
+          </a:effectRef>
+          <a:fontRef idx="minor">
+            <a:schemeClr val="lt1"/>
+          </a:fontRef>
+        </p:style>
+        <p:txBody>
+          <a:bodyPr rtlCol="0" anchor="ctr"/>
+          <a:lstStyle/>
+          <a:p>
+            <a:pPr algn="ctr"/>
+            <a:r>
+              <a:rPr lang="ko-KR" altLang="en-US" dirty="0" smtClean="0">
+                <a:solidFill>
+                  <a:schemeClr val="tx1"/>
+                </a:solidFill>
+              </a:rPr>
+              <a:t>상단 메뉴</a:t>
+            </a:r>
+            <a:endParaRPr lang="ko-KR" altLang="en-US" dirty="0">
+              <a:solidFill>
+                <a:schemeClr val="tx1"/>
+              </a:solidFill>
+            </a:endParaRPr>
+          </a:p>
+        </p:txBody>
+      </p:sp>
+      <p:sp>
+        <p:nvSpPr>
+          <p:cNvPr id="4" name="직사각형 3"/>
+          <p:cNvSpPr/>
+          <p:nvPr/>
+        </p:nvSpPr>
+        <p:spPr>
+          <a:xfrm>
+            <a:off x="1521229" y="1661611"/>
+            <a:ext cx="9335193" cy="624389"/>
+          </a:xfrm>
+          <a:prstGeom prst="rect">
+            <a:avLst/>
+          </a:prstGeom>
+          <a:solidFill>
+            <a:schemeClr val="bg1"/>
+          </a:solidFill>
+          <a:ln w="25400"/>
+        </p:spPr>
+        <p:style>
+          <a:lnRef idx="2">
+            <a:schemeClr val="accent1">
+              <a:shade val="50000"/>
+            </a:schemeClr>
+          </a:lnRef>
+          <a:fillRef idx="1">
+            <a:schemeClr val="accent1"/>
+          </a:fillRef>
+          <a:effectRef idx="0">
+            <a:schemeClr val="accent1"/>
+          </a:effectRef>
+          <a:fontRef idx="minor">
+            <a:schemeClr val="lt1"/>
+          </a:fontRef>
+        </p:style>
+        <p:txBody>
+          <a:bodyPr rtlCol="0" anchor="ctr"/>
+          <a:lstStyle/>
+          <a:p>
+            <a:pPr algn="ctr"/>
+            <a:r>
+              <a:rPr lang="ko-KR" altLang="en-US" dirty="0" err="1" smtClean="0">
+                <a:solidFill>
+                  <a:schemeClr val="tx1"/>
+                </a:solidFill>
+              </a:rPr>
+              <a:t>서브메뉴</a:t>
+            </a:r>
+            <a:endParaRPr lang="ko-KR" altLang="en-US" dirty="0">
+              <a:solidFill>
+                <a:schemeClr val="tx1"/>
+              </a:solidFill>
+            </a:endParaRPr>
+          </a:p>
+        </p:txBody>
+      </p:sp>
+      <p:sp>
+        <p:nvSpPr>
+          <p:cNvPr id="5" name="직사각형 4"/>
+          <p:cNvSpPr/>
+          <p:nvPr/>
+        </p:nvSpPr>
+        <p:spPr>
+          <a:xfrm>
+            <a:off x="1521229" y="2418069"/>
+            <a:ext cx="2003367" cy="4099109"/>
+          </a:xfrm>
+          <a:prstGeom prst="rect">
+            <a:avLst/>
+          </a:prstGeom>
+          <a:solidFill>
+            <a:schemeClr val="bg1"/>
+          </a:solidFill>
+          <a:ln w="25400"/>
+        </p:spPr>
+        <p:style>
+          <a:lnRef idx="2">
+            <a:schemeClr val="accent1">
+              <a:shade val="50000"/>
+            </a:schemeClr>
+          </a:lnRef>
+          <a:fillRef idx="1">
+            <a:schemeClr val="accent1"/>
+          </a:fillRef>
+          <a:effectRef idx="0">
+            <a:schemeClr val="accent1"/>
+          </a:effectRef>
+          <a:fontRef idx="minor">
+            <a:schemeClr val="lt1"/>
+          </a:fontRef>
+        </p:style>
+        <p:txBody>
+          <a:bodyPr rtlCol="0" anchor="ctr"/>
+          <a:lstStyle/>
+          <a:p>
+            <a:pPr algn="ctr"/>
+            <a:r>
+              <a:rPr lang="ko-KR" altLang="en-US" dirty="0" smtClean="0">
+                <a:solidFill>
+                  <a:schemeClr val="tx1"/>
+                </a:solidFill>
+              </a:rPr>
+              <a:t>좌측 메뉴</a:t>
+            </a:r>
+            <a:endParaRPr lang="ko-KR" altLang="en-US" dirty="0">
+              <a:solidFill>
+                <a:schemeClr val="tx1"/>
+              </a:solidFill>
+            </a:endParaRPr>
+          </a:p>
+        </p:txBody>
+      </p:sp>
+      <p:sp>
+        <p:nvSpPr>
+          <p:cNvPr id="6" name="직사각형 5"/>
+          <p:cNvSpPr/>
+          <p:nvPr/>
+        </p:nvSpPr>
+        <p:spPr>
+          <a:xfrm>
+            <a:off x="3649287" y="3013816"/>
+            <a:ext cx="7207135" cy="3503362"/>
+          </a:xfrm>
+          <a:prstGeom prst="rect">
+            <a:avLst/>
+          </a:prstGeom>
+          <a:solidFill>
+            <a:schemeClr val="bg1"/>
+          </a:solidFill>
+          <a:ln w="25400"/>
+        </p:spPr>
+        <p:style>
+          <a:lnRef idx="2">
+            <a:schemeClr val="accent1">
+              <a:shade val="50000"/>
+            </a:schemeClr>
+          </a:lnRef>
+          <a:fillRef idx="1">
+            <a:schemeClr val="accent1"/>
+          </a:fillRef>
+          <a:effectRef idx="0">
+            <a:schemeClr val="accent1"/>
+          </a:effectRef>
+          <a:fontRef idx="minor">
+            <a:schemeClr val="lt1"/>
+          </a:fontRef>
+        </p:style>
+        <p:txBody>
+          <a:bodyPr rtlCol="0" anchor="ctr"/>
+          <a:lstStyle/>
+          <a:p>
+            <a:pPr algn="ctr"/>
+            <a:r>
+              <a:rPr lang="ko-KR" altLang="en-US" dirty="0" smtClean="0">
+                <a:solidFill>
+                  <a:schemeClr val="tx1"/>
+                </a:solidFill>
+              </a:rPr>
+              <a:t>화면</a:t>
+            </a:r>
+            <a:endParaRPr lang="ko-KR" altLang="en-US" dirty="0">
+              <a:solidFill>
+                <a:schemeClr val="tx1"/>
+              </a:solidFill>
+            </a:endParaRPr>
+          </a:p>
+        </p:txBody>
+      </p:sp>
+      <p:sp>
+        <p:nvSpPr>
+          <p:cNvPr id="7" name="직사각형 6"/>
+          <p:cNvSpPr/>
+          <p:nvPr/>
+        </p:nvSpPr>
+        <p:spPr>
+          <a:xfrm>
+            <a:off x="3649287" y="2418070"/>
+            <a:ext cx="7207135" cy="463675"/>
+          </a:xfrm>
+          <a:prstGeom prst="rect">
+            <a:avLst/>
+          </a:prstGeom>
+          <a:solidFill>
+            <a:schemeClr val="bg1"/>
+          </a:solidFill>
+          <a:ln w="25400"/>
+        </p:spPr>
+        <p:style>
+          <a:lnRef idx="2">
+            <a:schemeClr val="accent1">
+              <a:shade val="50000"/>
+            </a:schemeClr>
+          </a:lnRef>
+          <a:fillRef idx="1">
+            <a:schemeClr val="accent1"/>
+          </a:fillRef>
+          <a:effectRef idx="0">
+            <a:schemeClr val="accent1"/>
+          </a:effectRef>
+          <a:fontRef idx="minor">
+            <a:schemeClr val="lt1"/>
+          </a:fontRef>
+        </p:style>
+        <p:txBody>
+          <a:bodyPr rtlCol="0" anchor="ctr"/>
+          <a:lstStyle/>
+          <a:p>
+            <a:pPr algn="ctr"/>
+            <a:r>
+              <a:rPr lang="ko-KR" altLang="en-US" dirty="0" smtClean="0">
+                <a:solidFill>
+                  <a:schemeClr val="tx1"/>
+                </a:solidFill>
+              </a:rPr>
+              <a:t>탭 영역</a:t>
+            </a:r>
+            <a:endParaRPr lang="ko-KR" altLang="en-US" dirty="0">
+              <a:solidFill>
+                <a:schemeClr val="tx1"/>
+              </a:solidFill>
+            </a:endParaRPr>
+          </a:p>
+        </p:txBody>
+      </p:sp>
     </p:spTree>
     <p:extLst>
       <p:ext uri="{BB962C8B-B14F-4D97-AF65-F5344CB8AC3E}">

--- a/지난 프로젝트/한국해양교통안전공단/종합 정리/ppt/서버 구성.pptx
+++ b/지난 프로젝트/한국해양교통안전공단/종합 정리/ppt/서버 구성.pptx
@@ -9,6 +9,7 @@
     <p:sldId id="258" r:id="rId3"/>
     <p:sldId id="259" r:id="rId4"/>
     <p:sldId id="260" r:id="rId5"/>
+    <p:sldId id="261" r:id="rId6"/>
   </p:sldIdLst>
   <p:sldSz cx="12192000" cy="6858000"/>
   <p:notesSz cx="6858000" cy="9144000"/>
@@ -6802,6 +6803,916 @@
 </p:sld>
 </file>
 
+<file path=ppt/slides/slide5.xml><?xml version="1.0" encoding="utf-8"?>
+<p:sld xmlns:a="http://schemas.openxmlformats.org/drawingml/2006/main" xmlns:r="http://schemas.openxmlformats.org/officeDocument/2006/relationships" xmlns:p="http://schemas.openxmlformats.org/presentationml/2006/main">
+  <p:cSld>
+    <p:spTree>
+      <p:nvGrpSpPr>
+        <p:cNvPr id="1" name=""/>
+        <p:cNvGrpSpPr/>
+        <p:nvPr/>
+      </p:nvGrpSpPr>
+      <p:grpSpPr>
+        <a:xfrm>
+          <a:off x="0" y="0"/>
+          <a:ext cx="0" cy="0"/>
+          <a:chOff x="0" y="0"/>
+          <a:chExt cx="0" cy="0"/>
+        </a:xfrm>
+      </p:grpSpPr>
+      <p:sp>
+        <p:nvSpPr>
+          <p:cNvPr id="3" name="직사각형 2"/>
+          <p:cNvSpPr/>
+          <p:nvPr/>
+        </p:nvSpPr>
+        <p:spPr>
+          <a:xfrm>
+            <a:off x="1030778" y="1271154"/>
+            <a:ext cx="11097491" cy="4414751"/>
+          </a:xfrm>
+          <a:prstGeom prst="rect">
+            <a:avLst/>
+          </a:prstGeom>
+          <a:solidFill>
+            <a:schemeClr val="bg1"/>
+          </a:solidFill>
+        </p:spPr>
+        <p:style>
+          <a:lnRef idx="2">
+            <a:schemeClr val="accent1">
+              <a:shade val="50000"/>
+            </a:schemeClr>
+          </a:lnRef>
+          <a:fillRef idx="1">
+            <a:schemeClr val="accent1"/>
+          </a:fillRef>
+          <a:effectRef idx="0">
+            <a:schemeClr val="accent1"/>
+          </a:effectRef>
+          <a:fontRef idx="minor">
+            <a:schemeClr val="lt1"/>
+          </a:fontRef>
+        </p:style>
+        <p:txBody>
+          <a:bodyPr rtlCol="0" anchor="ctr"/>
+          <a:lstStyle/>
+          <a:p>
+            <a:pPr algn="ctr"/>
+            <a:endParaRPr lang="ko-KR" altLang="en-US"/>
+          </a:p>
+        </p:txBody>
+      </p:sp>
+      <p:sp>
+        <p:nvSpPr>
+          <p:cNvPr id="2" name="제목 1"/>
+          <p:cNvSpPr>
+            <a:spLocks noGrp="1"/>
+          </p:cNvSpPr>
+          <p:nvPr>
+            <p:ph type="title"/>
+          </p:nvPr>
+        </p:nvSpPr>
+        <p:spPr>
+          <a:xfrm>
+            <a:off x="110362" y="74943"/>
+            <a:ext cx="10515600" cy="586853"/>
+          </a:xfrm>
+        </p:spPr>
+        <p:txBody>
+          <a:bodyPr>
+            <a:normAutofit/>
+          </a:bodyPr>
+          <a:lstStyle/>
+          <a:p>
+            <a:r>
+              <a:rPr lang="ko-KR" altLang="en-US" sz="3200" dirty="0" smtClean="0"/>
+              <a:t>선박검사 프로세스</a:t>
+            </a:r>
+            <a:endParaRPr lang="ko-KR" altLang="en-US" sz="3200" dirty="0"/>
+          </a:p>
+        </p:txBody>
+      </p:sp>
+      <p:sp>
+        <p:nvSpPr>
+          <p:cNvPr id="9" name="직사각형 8"/>
+          <p:cNvSpPr/>
+          <p:nvPr/>
+        </p:nvSpPr>
+        <p:spPr>
+          <a:xfrm>
+            <a:off x="1244600" y="1676400"/>
+            <a:ext cx="1993900" cy="584200"/>
+          </a:xfrm>
+          <a:prstGeom prst="rect">
+            <a:avLst/>
+          </a:prstGeom>
+        </p:spPr>
+        <p:style>
+          <a:lnRef idx="2">
+            <a:schemeClr val="accent1">
+              <a:shade val="50000"/>
+            </a:schemeClr>
+          </a:lnRef>
+          <a:fillRef idx="1">
+            <a:schemeClr val="accent1"/>
+          </a:fillRef>
+          <a:effectRef idx="0">
+            <a:schemeClr val="accent1"/>
+          </a:effectRef>
+          <a:fontRef idx="minor">
+            <a:schemeClr val="lt1"/>
+          </a:fontRef>
+        </p:style>
+        <p:txBody>
+          <a:bodyPr rtlCol="0" anchor="ctr"/>
+          <a:lstStyle/>
+          <a:p>
+            <a:pPr algn="ctr"/>
+            <a:r>
+              <a:rPr lang="ko-KR" altLang="en-US" smtClean="0"/>
+              <a:t>선박검사 신청</a:t>
+            </a:r>
+            <a:endParaRPr lang="ko-KR" altLang="en-US"/>
+          </a:p>
+        </p:txBody>
+      </p:sp>
+      <p:sp>
+        <p:nvSpPr>
+          <p:cNvPr id="10" name="직사각형 9"/>
+          <p:cNvSpPr/>
+          <p:nvPr/>
+        </p:nvSpPr>
+        <p:spPr>
+          <a:xfrm>
+            <a:off x="2019300" y="2578100"/>
+            <a:ext cx="1993900" cy="584200"/>
+          </a:xfrm>
+          <a:prstGeom prst="rect">
+            <a:avLst/>
+          </a:prstGeom>
+        </p:spPr>
+        <p:style>
+          <a:lnRef idx="2">
+            <a:schemeClr val="accent1">
+              <a:shade val="50000"/>
+            </a:schemeClr>
+          </a:lnRef>
+          <a:fillRef idx="1">
+            <a:schemeClr val="accent1"/>
+          </a:fillRef>
+          <a:effectRef idx="0">
+            <a:schemeClr val="accent1"/>
+          </a:effectRef>
+          <a:fontRef idx="minor">
+            <a:schemeClr val="lt1"/>
+          </a:fontRef>
+        </p:style>
+        <p:txBody>
+          <a:bodyPr rtlCol="0" anchor="ctr"/>
+          <a:lstStyle/>
+          <a:p>
+            <a:pPr algn="ctr"/>
+            <a:r>
+              <a:rPr lang="ko-KR" altLang="en-US" dirty="0" smtClean="0"/>
+              <a:t>선박검사 신청서</a:t>
+            </a:r>
+            <a:endParaRPr lang="ko-KR" altLang="en-US" dirty="0"/>
+          </a:p>
+        </p:txBody>
+      </p:sp>
+      <p:sp>
+        <p:nvSpPr>
+          <p:cNvPr id="11" name="직사각형 10"/>
+          <p:cNvSpPr/>
+          <p:nvPr/>
+        </p:nvSpPr>
+        <p:spPr>
+          <a:xfrm>
+            <a:off x="2019300" y="3911600"/>
+            <a:ext cx="1993900" cy="584200"/>
+          </a:xfrm>
+          <a:prstGeom prst="rect">
+            <a:avLst/>
+          </a:prstGeom>
+        </p:spPr>
+        <p:style>
+          <a:lnRef idx="2">
+            <a:schemeClr val="accent1">
+              <a:shade val="50000"/>
+            </a:schemeClr>
+          </a:lnRef>
+          <a:fillRef idx="1">
+            <a:schemeClr val="accent1"/>
+          </a:fillRef>
+          <a:effectRef idx="0">
+            <a:schemeClr val="accent1"/>
+          </a:effectRef>
+          <a:fontRef idx="minor">
+            <a:schemeClr val="lt1"/>
+          </a:fontRef>
+        </p:style>
+        <p:txBody>
+          <a:bodyPr rtlCol="0" anchor="ctr"/>
+          <a:lstStyle/>
+          <a:p>
+            <a:pPr algn="ctr"/>
+            <a:r>
+              <a:rPr lang="ko-KR" altLang="en-US" dirty="0" smtClean="0"/>
+              <a:t>선박검사 보고서</a:t>
+            </a:r>
+            <a:endParaRPr lang="ko-KR" altLang="en-US" dirty="0"/>
+          </a:p>
+        </p:txBody>
+      </p:sp>
+      <p:sp>
+        <p:nvSpPr>
+          <p:cNvPr id="12" name="직사각형 11"/>
+          <p:cNvSpPr/>
+          <p:nvPr/>
+        </p:nvSpPr>
+        <p:spPr>
+          <a:xfrm>
+            <a:off x="5727700" y="2578100"/>
+            <a:ext cx="1993900" cy="584200"/>
+          </a:xfrm>
+          <a:prstGeom prst="rect">
+            <a:avLst/>
+          </a:prstGeom>
+        </p:spPr>
+        <p:style>
+          <a:lnRef idx="2">
+            <a:schemeClr val="accent1">
+              <a:shade val="50000"/>
+            </a:schemeClr>
+          </a:lnRef>
+          <a:fillRef idx="1">
+            <a:schemeClr val="accent1"/>
+          </a:fillRef>
+          <a:effectRef idx="0">
+            <a:schemeClr val="accent1"/>
+          </a:effectRef>
+          <a:fontRef idx="minor">
+            <a:schemeClr val="lt1"/>
+          </a:fontRef>
+        </p:style>
+        <p:txBody>
+          <a:bodyPr rtlCol="0" anchor="ctr"/>
+          <a:lstStyle/>
+          <a:p>
+            <a:pPr algn="ctr"/>
+            <a:r>
+              <a:rPr lang="ko-KR" altLang="en-US" dirty="0" smtClean="0"/>
+              <a:t>전자결재 연동</a:t>
+            </a:r>
+            <a:endParaRPr lang="ko-KR" altLang="en-US" dirty="0"/>
+          </a:p>
+        </p:txBody>
+      </p:sp>
+      <p:sp>
+        <p:nvSpPr>
+          <p:cNvPr id="13" name="직사각형 12"/>
+          <p:cNvSpPr/>
+          <p:nvPr/>
+        </p:nvSpPr>
+        <p:spPr>
+          <a:xfrm>
+            <a:off x="5727700" y="1587500"/>
+            <a:ext cx="1993900" cy="584200"/>
+          </a:xfrm>
+          <a:prstGeom prst="rect">
+            <a:avLst/>
+          </a:prstGeom>
+        </p:spPr>
+        <p:style>
+          <a:lnRef idx="2">
+            <a:schemeClr val="accent1">
+              <a:shade val="50000"/>
+            </a:schemeClr>
+          </a:lnRef>
+          <a:fillRef idx="1">
+            <a:schemeClr val="accent1"/>
+          </a:fillRef>
+          <a:effectRef idx="0">
+            <a:schemeClr val="accent1"/>
+          </a:effectRef>
+          <a:fontRef idx="minor">
+            <a:schemeClr val="lt1"/>
+          </a:fontRef>
+        </p:style>
+        <p:txBody>
+          <a:bodyPr rtlCol="0" anchor="ctr"/>
+          <a:lstStyle/>
+          <a:p>
+            <a:pPr algn="ctr"/>
+            <a:r>
+              <a:rPr lang="ko-KR" altLang="en-US" dirty="0" smtClean="0"/>
+              <a:t>선박검사 처리</a:t>
+            </a:r>
+            <a:endParaRPr lang="ko-KR" altLang="en-US" dirty="0"/>
+          </a:p>
+        </p:txBody>
+      </p:sp>
+      <p:sp>
+        <p:nvSpPr>
+          <p:cNvPr id="14" name="직사각형 13"/>
+          <p:cNvSpPr/>
+          <p:nvPr/>
+        </p:nvSpPr>
+        <p:spPr>
+          <a:xfrm>
+            <a:off x="5727700" y="3911600"/>
+            <a:ext cx="1993900" cy="584200"/>
+          </a:xfrm>
+          <a:prstGeom prst="rect">
+            <a:avLst/>
+          </a:prstGeom>
+        </p:spPr>
+        <p:style>
+          <a:lnRef idx="2">
+            <a:schemeClr val="accent1">
+              <a:shade val="50000"/>
+            </a:schemeClr>
+          </a:lnRef>
+          <a:fillRef idx="1">
+            <a:schemeClr val="accent1"/>
+          </a:fillRef>
+          <a:effectRef idx="0">
+            <a:schemeClr val="accent1"/>
+          </a:effectRef>
+          <a:fontRef idx="minor">
+            <a:schemeClr val="lt1"/>
+          </a:fontRef>
+        </p:style>
+        <p:txBody>
+          <a:bodyPr rtlCol="0" anchor="ctr"/>
+          <a:lstStyle/>
+          <a:p>
+            <a:pPr algn="ctr"/>
+            <a:r>
+              <a:rPr lang="ko-KR" altLang="en-US" dirty="0" smtClean="0"/>
+              <a:t>전자결재 연동</a:t>
+            </a:r>
+            <a:endParaRPr lang="ko-KR" altLang="en-US" dirty="0"/>
+          </a:p>
+        </p:txBody>
+      </p:sp>
+      <p:sp>
+        <p:nvSpPr>
+          <p:cNvPr id="15" name="직사각형 14"/>
+          <p:cNvSpPr/>
+          <p:nvPr/>
+        </p:nvSpPr>
+        <p:spPr>
+          <a:xfrm>
+            <a:off x="10035959" y="3911600"/>
+            <a:ext cx="1993900" cy="584200"/>
+          </a:xfrm>
+          <a:prstGeom prst="rect">
+            <a:avLst/>
+          </a:prstGeom>
+        </p:spPr>
+        <p:style>
+          <a:lnRef idx="2">
+            <a:schemeClr val="accent1">
+              <a:shade val="50000"/>
+            </a:schemeClr>
+          </a:lnRef>
+          <a:fillRef idx="1">
+            <a:schemeClr val="accent1"/>
+          </a:fillRef>
+          <a:effectRef idx="0">
+            <a:schemeClr val="accent1"/>
+          </a:effectRef>
+          <a:fontRef idx="minor">
+            <a:schemeClr val="lt1"/>
+          </a:fontRef>
+        </p:style>
+        <p:txBody>
+          <a:bodyPr rtlCol="0" anchor="ctr"/>
+          <a:lstStyle/>
+          <a:p>
+            <a:pPr algn="ctr"/>
+            <a:r>
+              <a:rPr lang="en-US" altLang="ko-KR" dirty="0" smtClean="0"/>
+              <a:t>EDMS</a:t>
+            </a:r>
+            <a:endParaRPr lang="ko-KR" altLang="en-US" dirty="0"/>
+          </a:p>
+        </p:txBody>
+      </p:sp>
+      <p:cxnSp>
+        <p:nvCxnSpPr>
+          <p:cNvPr id="17" name="꺾인 연결선 16"/>
+          <p:cNvCxnSpPr>
+            <a:endCxn id="10" idx="1"/>
+          </p:cNvCxnSpPr>
+          <p:nvPr/>
+        </p:nvCxnSpPr>
+        <p:spPr>
+          <a:xfrm rot="16200000" flipH="1">
+            <a:off x="1479550" y="2330450"/>
+            <a:ext cx="609600" cy="469900"/>
+          </a:xfrm>
+          <a:prstGeom prst="bentConnector2">
+            <a:avLst/>
+          </a:prstGeom>
+          <a:ln>
+            <a:tailEnd type="triangle"/>
+          </a:ln>
+        </p:spPr>
+        <p:style>
+          <a:lnRef idx="1">
+            <a:schemeClr val="accent1"/>
+          </a:lnRef>
+          <a:fillRef idx="0">
+            <a:schemeClr val="accent1"/>
+          </a:fillRef>
+          <a:effectRef idx="0">
+            <a:schemeClr val="accent1"/>
+          </a:effectRef>
+          <a:fontRef idx="minor">
+            <a:schemeClr val="tx1"/>
+          </a:fontRef>
+        </p:style>
+      </p:cxnSp>
+      <p:cxnSp>
+        <p:nvCxnSpPr>
+          <p:cNvPr id="19" name="꺾인 연결선 18"/>
+          <p:cNvCxnSpPr>
+            <a:endCxn id="11" idx="1"/>
+          </p:cNvCxnSpPr>
+          <p:nvPr/>
+        </p:nvCxnSpPr>
+        <p:spPr>
+          <a:xfrm rot="16200000" flipH="1">
+            <a:off x="1028699" y="3213099"/>
+            <a:ext cx="1511302" cy="469900"/>
+          </a:xfrm>
+          <a:prstGeom prst="bentConnector2">
+            <a:avLst/>
+          </a:prstGeom>
+          <a:ln>
+            <a:tailEnd type="triangle"/>
+          </a:ln>
+        </p:spPr>
+        <p:style>
+          <a:lnRef idx="1">
+            <a:schemeClr val="accent1"/>
+          </a:lnRef>
+          <a:fillRef idx="0">
+            <a:schemeClr val="accent1"/>
+          </a:fillRef>
+          <a:effectRef idx="0">
+            <a:schemeClr val="accent1"/>
+          </a:effectRef>
+          <a:fontRef idx="minor">
+            <a:schemeClr val="tx1"/>
+          </a:fontRef>
+        </p:style>
+      </p:cxnSp>
+      <p:cxnSp>
+        <p:nvCxnSpPr>
+          <p:cNvPr id="23" name="직선 화살표 연결선 22"/>
+          <p:cNvCxnSpPr>
+            <a:stCxn id="10" idx="3"/>
+            <a:endCxn id="12" idx="1"/>
+          </p:cNvCxnSpPr>
+          <p:nvPr/>
+        </p:nvCxnSpPr>
+        <p:spPr>
+          <a:xfrm>
+            <a:off x="4013200" y="2870200"/>
+            <a:ext cx="1714500" cy="0"/>
+          </a:xfrm>
+          <a:prstGeom prst="straightConnector1">
+            <a:avLst/>
+          </a:prstGeom>
+          <a:ln>
+            <a:tailEnd type="triangle"/>
+          </a:ln>
+        </p:spPr>
+        <p:style>
+          <a:lnRef idx="1">
+            <a:schemeClr val="accent1"/>
+          </a:lnRef>
+          <a:fillRef idx="0">
+            <a:schemeClr val="accent1"/>
+          </a:fillRef>
+          <a:effectRef idx="0">
+            <a:schemeClr val="accent1"/>
+          </a:effectRef>
+          <a:fontRef idx="minor">
+            <a:schemeClr val="tx1"/>
+          </a:fontRef>
+        </p:style>
+      </p:cxnSp>
+      <p:cxnSp>
+        <p:nvCxnSpPr>
+          <p:cNvPr id="24" name="직선 화살표 연결선 23"/>
+          <p:cNvCxnSpPr/>
+          <p:nvPr/>
+        </p:nvCxnSpPr>
+        <p:spPr>
+          <a:xfrm>
+            <a:off x="4013200" y="4203700"/>
+            <a:ext cx="1714500" cy="0"/>
+          </a:xfrm>
+          <a:prstGeom prst="straightConnector1">
+            <a:avLst/>
+          </a:prstGeom>
+          <a:ln>
+            <a:tailEnd type="triangle"/>
+          </a:ln>
+        </p:spPr>
+        <p:style>
+          <a:lnRef idx="1">
+            <a:schemeClr val="accent1"/>
+          </a:lnRef>
+          <a:fillRef idx="0">
+            <a:schemeClr val="accent1"/>
+          </a:fillRef>
+          <a:effectRef idx="0">
+            <a:schemeClr val="accent1"/>
+          </a:effectRef>
+          <a:fontRef idx="minor">
+            <a:schemeClr val="tx1"/>
+          </a:fontRef>
+        </p:style>
+      </p:cxnSp>
+      <p:cxnSp>
+        <p:nvCxnSpPr>
+          <p:cNvPr id="26" name="꺾인 연결선 25"/>
+          <p:cNvCxnSpPr>
+            <a:endCxn id="13" idx="1"/>
+          </p:cNvCxnSpPr>
+          <p:nvPr/>
+        </p:nvCxnSpPr>
+        <p:spPr>
+          <a:xfrm flipV="1">
+            <a:off x="3771900" y="1879600"/>
+            <a:ext cx="1955800" cy="698500"/>
+          </a:xfrm>
+          <a:prstGeom prst="bentConnector3">
+            <a:avLst>
+              <a:gd name="adj1" fmla="val -8442"/>
+            </a:avLst>
+          </a:prstGeom>
+          <a:ln>
+            <a:tailEnd type="triangle"/>
+          </a:ln>
+        </p:spPr>
+        <p:style>
+          <a:lnRef idx="1">
+            <a:schemeClr val="accent1"/>
+          </a:lnRef>
+          <a:fillRef idx="0">
+            <a:schemeClr val="accent1"/>
+          </a:fillRef>
+          <a:effectRef idx="0">
+            <a:schemeClr val="accent1"/>
+          </a:effectRef>
+          <a:fontRef idx="minor">
+            <a:schemeClr val="tx1"/>
+          </a:fontRef>
+        </p:style>
+      </p:cxnSp>
+      <p:cxnSp>
+        <p:nvCxnSpPr>
+          <p:cNvPr id="29" name="꺾인 연결선 28"/>
+          <p:cNvCxnSpPr>
+            <a:stCxn id="12" idx="3"/>
+            <a:endCxn id="15" idx="0"/>
+          </p:cNvCxnSpPr>
+          <p:nvPr/>
+        </p:nvCxnSpPr>
+        <p:spPr>
+          <a:xfrm>
+            <a:off x="7721600" y="2870200"/>
+            <a:ext cx="3311309" cy="1041400"/>
+          </a:xfrm>
+          <a:prstGeom prst="bentConnector2">
+            <a:avLst/>
+          </a:prstGeom>
+          <a:ln>
+            <a:tailEnd type="triangle"/>
+          </a:ln>
+        </p:spPr>
+        <p:style>
+          <a:lnRef idx="1">
+            <a:schemeClr val="accent1"/>
+          </a:lnRef>
+          <a:fillRef idx="0">
+            <a:schemeClr val="accent1"/>
+          </a:fillRef>
+          <a:effectRef idx="0">
+            <a:schemeClr val="accent1"/>
+          </a:effectRef>
+          <a:fontRef idx="minor">
+            <a:schemeClr val="tx1"/>
+          </a:fontRef>
+        </p:style>
+      </p:cxnSp>
+      <p:cxnSp>
+        <p:nvCxnSpPr>
+          <p:cNvPr id="31" name="직선 화살표 연결선 30"/>
+          <p:cNvCxnSpPr>
+            <a:stCxn id="14" idx="3"/>
+            <a:endCxn id="15" idx="1"/>
+          </p:cNvCxnSpPr>
+          <p:nvPr/>
+        </p:nvCxnSpPr>
+        <p:spPr>
+          <a:xfrm>
+            <a:off x="7721600" y="4203700"/>
+            <a:ext cx="2314359" cy="0"/>
+          </a:xfrm>
+          <a:prstGeom prst="straightConnector1">
+            <a:avLst/>
+          </a:prstGeom>
+          <a:ln>
+            <a:tailEnd type="triangle"/>
+          </a:ln>
+        </p:spPr>
+        <p:style>
+          <a:lnRef idx="1">
+            <a:schemeClr val="accent1"/>
+          </a:lnRef>
+          <a:fillRef idx="0">
+            <a:schemeClr val="accent1"/>
+          </a:fillRef>
+          <a:effectRef idx="0">
+            <a:schemeClr val="accent1"/>
+          </a:effectRef>
+          <a:fontRef idx="minor">
+            <a:schemeClr val="tx1"/>
+          </a:fontRef>
+        </p:style>
+      </p:cxnSp>
+      <p:cxnSp>
+        <p:nvCxnSpPr>
+          <p:cNvPr id="33" name="꺾인 연결선 32"/>
+          <p:cNvCxnSpPr>
+            <a:stCxn id="14" idx="2"/>
+            <a:endCxn id="11" idx="2"/>
+          </p:cNvCxnSpPr>
+          <p:nvPr/>
+        </p:nvCxnSpPr>
+        <p:spPr>
+          <a:xfrm rot="5400000">
+            <a:off x="4870450" y="2641600"/>
+            <a:ext cx="12700" cy="3708400"/>
+          </a:xfrm>
+          <a:prstGeom prst="bentConnector3">
+            <a:avLst>
+              <a:gd name="adj1" fmla="val 3800000"/>
+            </a:avLst>
+          </a:prstGeom>
+          <a:ln>
+            <a:tailEnd type="triangle"/>
+          </a:ln>
+        </p:spPr>
+        <p:style>
+          <a:lnRef idx="1">
+            <a:schemeClr val="accent1"/>
+          </a:lnRef>
+          <a:fillRef idx="0">
+            <a:schemeClr val="accent1"/>
+          </a:fillRef>
+          <a:effectRef idx="0">
+            <a:schemeClr val="accent1"/>
+          </a:effectRef>
+          <a:fontRef idx="minor">
+            <a:schemeClr val="tx1"/>
+          </a:fontRef>
+        </p:style>
+      </p:cxnSp>
+      <p:cxnSp>
+        <p:nvCxnSpPr>
+          <p:cNvPr id="37" name="꺾인 연결선 36"/>
+          <p:cNvCxnSpPr/>
+          <p:nvPr/>
+        </p:nvCxnSpPr>
+        <p:spPr>
+          <a:xfrm rot="5400000">
+            <a:off x="4870450" y="1285177"/>
+            <a:ext cx="12700" cy="3708400"/>
+          </a:xfrm>
+          <a:prstGeom prst="bentConnector3">
+            <a:avLst>
+              <a:gd name="adj1" fmla="val 3800000"/>
+            </a:avLst>
+          </a:prstGeom>
+          <a:ln>
+            <a:tailEnd type="triangle"/>
+          </a:ln>
+        </p:spPr>
+        <p:style>
+          <a:lnRef idx="1">
+            <a:schemeClr val="accent1"/>
+          </a:lnRef>
+          <a:fillRef idx="0">
+            <a:schemeClr val="accent1"/>
+          </a:fillRef>
+          <a:effectRef idx="0">
+            <a:schemeClr val="accent1"/>
+          </a:effectRef>
+          <a:fontRef idx="minor">
+            <a:schemeClr val="tx1"/>
+          </a:fontRef>
+        </p:style>
+      </p:cxnSp>
+      <p:sp>
+        <p:nvSpPr>
+          <p:cNvPr id="38" name="TextBox 37"/>
+          <p:cNvSpPr txBox="1"/>
+          <p:nvPr/>
+        </p:nvSpPr>
+        <p:spPr>
+          <a:xfrm>
+            <a:off x="3507675" y="3331322"/>
+            <a:ext cx="2738250" cy="369332"/>
+          </a:xfrm>
+          <a:prstGeom prst="rect">
+            <a:avLst/>
+          </a:prstGeom>
+          <a:noFill/>
+        </p:spPr>
+        <p:txBody>
+          <a:bodyPr wrap="none" rtlCol="0">
+            <a:spAutoFit/>
+          </a:bodyPr>
+          <a:lstStyle/>
+          <a:p>
+            <a:r>
+              <a:rPr lang="ko-KR" altLang="en-US" dirty="0" smtClean="0"/>
+              <a:t>트리거 통한 플래그 변경</a:t>
+            </a:r>
+            <a:endParaRPr lang="ko-KR" altLang="en-US" dirty="0"/>
+          </a:p>
+        </p:txBody>
+      </p:sp>
+      <p:sp>
+        <p:nvSpPr>
+          <p:cNvPr id="39" name="TextBox 38"/>
+          <p:cNvSpPr txBox="1"/>
+          <p:nvPr/>
+        </p:nvSpPr>
+        <p:spPr>
+          <a:xfrm>
+            <a:off x="3507675" y="4728322"/>
+            <a:ext cx="2738250" cy="369332"/>
+          </a:xfrm>
+          <a:prstGeom prst="rect">
+            <a:avLst/>
+          </a:prstGeom>
+          <a:noFill/>
+        </p:spPr>
+        <p:txBody>
+          <a:bodyPr wrap="none" rtlCol="0">
+            <a:spAutoFit/>
+          </a:bodyPr>
+          <a:lstStyle/>
+          <a:p>
+            <a:r>
+              <a:rPr lang="ko-KR" altLang="en-US" smtClean="0"/>
+              <a:t>트리거 통한 플래그 변경</a:t>
+            </a:r>
+            <a:endParaRPr lang="ko-KR" altLang="en-US"/>
+          </a:p>
+        </p:txBody>
+      </p:sp>
+      <p:sp>
+        <p:nvSpPr>
+          <p:cNvPr id="40" name="TextBox 39"/>
+          <p:cNvSpPr txBox="1"/>
+          <p:nvPr/>
+        </p:nvSpPr>
+        <p:spPr>
+          <a:xfrm>
+            <a:off x="3869214" y="4054888"/>
+            <a:ext cx="2002471" cy="369332"/>
+          </a:xfrm>
+          <a:prstGeom prst="rect">
+            <a:avLst/>
+          </a:prstGeom>
+          <a:noFill/>
+        </p:spPr>
+        <p:txBody>
+          <a:bodyPr wrap="none" rtlCol="0">
+            <a:spAutoFit/>
+          </a:bodyPr>
+          <a:lstStyle/>
+          <a:p>
+            <a:r>
+              <a:rPr lang="en-US" altLang="ko-KR" dirty="0" smtClean="0"/>
+              <a:t>pdf</a:t>
+            </a:r>
+            <a:r>
+              <a:rPr lang="ko-KR" altLang="en-US" dirty="0" smtClean="0"/>
+              <a:t>문서파일 첨부</a:t>
+            </a:r>
+            <a:endParaRPr lang="ko-KR" altLang="en-US" dirty="0"/>
+          </a:p>
+        </p:txBody>
+      </p:sp>
+      <p:sp>
+        <p:nvSpPr>
+          <p:cNvPr id="41" name="TextBox 40"/>
+          <p:cNvSpPr txBox="1"/>
+          <p:nvPr/>
+        </p:nvSpPr>
+        <p:spPr>
+          <a:xfrm>
+            <a:off x="8206675" y="2850634"/>
+            <a:ext cx="3063659" cy="369332"/>
+          </a:xfrm>
+          <a:prstGeom prst="rect">
+            <a:avLst/>
+          </a:prstGeom>
+          <a:noFill/>
+        </p:spPr>
+        <p:txBody>
+          <a:bodyPr wrap="none" rtlCol="0">
+            <a:spAutoFit/>
+          </a:bodyPr>
+          <a:lstStyle/>
+          <a:p>
+            <a:r>
+              <a:rPr lang="en-US" altLang="ko-KR" dirty="0" smtClean="0"/>
+              <a:t>e</a:t>
+            </a:r>
+            <a:r>
+              <a:rPr lang="ko-KR" altLang="en-US" dirty="0" smtClean="0"/>
+              <a:t>파피루스 </a:t>
+            </a:r>
+            <a:r>
+              <a:rPr lang="en-US" altLang="ko-KR" dirty="0" smtClean="0"/>
+              <a:t>pdf </a:t>
+            </a:r>
+            <a:r>
+              <a:rPr lang="ko-KR" altLang="en-US" dirty="0" smtClean="0"/>
+              <a:t>변환 후 저장</a:t>
+            </a:r>
+            <a:endParaRPr lang="ko-KR" altLang="en-US" dirty="0"/>
+          </a:p>
+        </p:txBody>
+      </p:sp>
+      <p:sp>
+        <p:nvSpPr>
+          <p:cNvPr id="44" name="TextBox 43"/>
+          <p:cNvSpPr txBox="1"/>
+          <p:nvPr/>
+        </p:nvSpPr>
+        <p:spPr>
+          <a:xfrm>
+            <a:off x="7665445" y="3853934"/>
+            <a:ext cx="3063659" cy="369332"/>
+          </a:xfrm>
+          <a:prstGeom prst="rect">
+            <a:avLst/>
+          </a:prstGeom>
+          <a:noFill/>
+        </p:spPr>
+        <p:txBody>
+          <a:bodyPr wrap="none" rtlCol="0">
+            <a:spAutoFit/>
+          </a:bodyPr>
+          <a:lstStyle/>
+          <a:p>
+            <a:r>
+              <a:rPr lang="en-US" altLang="ko-KR" dirty="0" smtClean="0"/>
+              <a:t>e</a:t>
+            </a:r>
+            <a:r>
+              <a:rPr lang="ko-KR" altLang="en-US" dirty="0" smtClean="0"/>
+              <a:t>파피루스 </a:t>
+            </a:r>
+            <a:r>
+              <a:rPr lang="en-US" altLang="ko-KR" dirty="0" smtClean="0"/>
+              <a:t>pdf </a:t>
+            </a:r>
+            <a:r>
+              <a:rPr lang="ko-KR" altLang="en-US" dirty="0" smtClean="0"/>
+              <a:t>변환 후 저장</a:t>
+            </a:r>
+            <a:endParaRPr lang="ko-KR" altLang="en-US" dirty="0"/>
+          </a:p>
+        </p:txBody>
+      </p:sp>
+    </p:spTree>
+    <p:extLst>
+      <p:ext uri="{BB962C8B-B14F-4D97-AF65-F5344CB8AC3E}">
+        <p14:creationId xmlns:p14="http://schemas.microsoft.com/office/powerpoint/2010/main" val="3941209904"/>
+      </p:ext>
+    </p:extLst>
+  </p:cSld>
+  <p:clrMapOvr>
+    <a:masterClrMapping/>
+  </p:clrMapOvr>
+</p:sld>
+</file>
+
 <file path=ppt/theme/theme1.xml><?xml version="1.0" encoding="utf-8"?>
 <a:theme xmlns:a="http://schemas.openxmlformats.org/drawingml/2006/main" name="Office 테마">
   <a:themeElements>

--- a/지난 프로젝트/한국해양교통안전공단/종합 정리/ppt/서버 구성.pptx
+++ b/지난 프로젝트/한국해양교통안전공단/종합 정리/ppt/서버 구성.pptx
@@ -10,6 +10,7 @@
     <p:sldId id="259" r:id="rId4"/>
     <p:sldId id="260" r:id="rId5"/>
     <p:sldId id="261" r:id="rId6"/>
+    <p:sldId id="262" r:id="rId7"/>
   </p:sldIdLst>
   <p:sldSz cx="12192000" cy="6858000"/>
   <p:notesSz cx="6858000" cy="9144000"/>
@@ -247,7 +248,7 @@
           <a:p>
             <a:fld id="{1BD67C6C-5AFD-4861-A48B-06038DCE0ABE}" type="datetimeFigureOut">
               <a:rPr lang="ko-KR" altLang="en-US" smtClean="0"/>
-              <a:t>2023-09-11</a:t>
+              <a:t>2023-09-12</a:t>
             </a:fld>
             <a:endParaRPr lang="ko-KR" altLang="en-US"/>
           </a:p>
@@ -417,7 +418,7 @@
           <a:p>
             <a:fld id="{1BD67C6C-5AFD-4861-A48B-06038DCE0ABE}" type="datetimeFigureOut">
               <a:rPr lang="ko-KR" altLang="en-US" smtClean="0"/>
-              <a:t>2023-09-11</a:t>
+              <a:t>2023-09-12</a:t>
             </a:fld>
             <a:endParaRPr lang="ko-KR" altLang="en-US"/>
           </a:p>
@@ -597,7 +598,7 @@
           <a:p>
             <a:fld id="{1BD67C6C-5AFD-4861-A48B-06038DCE0ABE}" type="datetimeFigureOut">
               <a:rPr lang="ko-KR" altLang="en-US" smtClean="0"/>
-              <a:t>2023-09-11</a:t>
+              <a:t>2023-09-12</a:t>
             </a:fld>
             <a:endParaRPr lang="ko-KR" altLang="en-US"/>
           </a:p>
@@ -767,7 +768,7 @@
           <a:p>
             <a:fld id="{1BD67C6C-5AFD-4861-A48B-06038DCE0ABE}" type="datetimeFigureOut">
               <a:rPr lang="ko-KR" altLang="en-US" smtClean="0"/>
-              <a:t>2023-09-11</a:t>
+              <a:t>2023-09-12</a:t>
             </a:fld>
             <a:endParaRPr lang="ko-KR" altLang="en-US"/>
           </a:p>
@@ -1013,7 +1014,7 @@
           <a:p>
             <a:fld id="{1BD67C6C-5AFD-4861-A48B-06038DCE0ABE}" type="datetimeFigureOut">
               <a:rPr lang="ko-KR" altLang="en-US" smtClean="0"/>
-              <a:t>2023-09-11</a:t>
+              <a:t>2023-09-12</a:t>
             </a:fld>
             <a:endParaRPr lang="ko-KR" altLang="en-US"/>
           </a:p>
@@ -1245,7 +1246,7 @@
           <a:p>
             <a:fld id="{1BD67C6C-5AFD-4861-A48B-06038DCE0ABE}" type="datetimeFigureOut">
               <a:rPr lang="ko-KR" altLang="en-US" smtClean="0"/>
-              <a:t>2023-09-11</a:t>
+              <a:t>2023-09-12</a:t>
             </a:fld>
             <a:endParaRPr lang="ko-KR" altLang="en-US"/>
           </a:p>
@@ -1612,7 +1613,7 @@
           <a:p>
             <a:fld id="{1BD67C6C-5AFD-4861-A48B-06038DCE0ABE}" type="datetimeFigureOut">
               <a:rPr lang="ko-KR" altLang="en-US" smtClean="0"/>
-              <a:t>2023-09-11</a:t>
+              <a:t>2023-09-12</a:t>
             </a:fld>
             <a:endParaRPr lang="ko-KR" altLang="en-US"/>
           </a:p>
@@ -1730,7 +1731,7 @@
           <a:p>
             <a:fld id="{1BD67C6C-5AFD-4861-A48B-06038DCE0ABE}" type="datetimeFigureOut">
               <a:rPr lang="ko-KR" altLang="en-US" smtClean="0"/>
-              <a:t>2023-09-11</a:t>
+              <a:t>2023-09-12</a:t>
             </a:fld>
             <a:endParaRPr lang="ko-KR" altLang="en-US"/>
           </a:p>
@@ -1825,7 +1826,7 @@
           <a:p>
             <a:fld id="{1BD67C6C-5AFD-4861-A48B-06038DCE0ABE}" type="datetimeFigureOut">
               <a:rPr lang="ko-KR" altLang="en-US" smtClean="0"/>
-              <a:t>2023-09-11</a:t>
+              <a:t>2023-09-12</a:t>
             </a:fld>
             <a:endParaRPr lang="ko-KR" altLang="en-US"/>
           </a:p>
@@ -2102,7 +2103,7 @@
           <a:p>
             <a:fld id="{1BD67C6C-5AFD-4861-A48B-06038DCE0ABE}" type="datetimeFigureOut">
               <a:rPr lang="ko-KR" altLang="en-US" smtClean="0"/>
-              <a:t>2023-09-11</a:t>
+              <a:t>2023-09-12</a:t>
             </a:fld>
             <a:endParaRPr lang="ko-KR" altLang="en-US"/>
           </a:p>
@@ -2355,7 +2356,7 @@
           <a:p>
             <a:fld id="{1BD67C6C-5AFD-4861-A48B-06038DCE0ABE}" type="datetimeFigureOut">
               <a:rPr lang="ko-KR" altLang="en-US" smtClean="0"/>
-              <a:t>2023-09-11</a:t>
+              <a:t>2023-09-12</a:t>
             </a:fld>
             <a:endParaRPr lang="ko-KR" altLang="en-US"/>
           </a:p>
@@ -2568,7 +2569,7 @@
           <a:p>
             <a:fld id="{1BD67C6C-5AFD-4861-A48B-06038DCE0ABE}" type="datetimeFigureOut">
               <a:rPr lang="ko-KR" altLang="en-US" smtClean="0"/>
-              <a:t>2023-09-11</a:t>
+              <a:t>2023-09-12</a:t>
             </a:fld>
             <a:endParaRPr lang="ko-KR" altLang="en-US"/>
           </a:p>
@@ -7713,6 +7714,548 @@
 </p:sld>
 </file>
 
+<file path=ppt/slides/slide6.xml><?xml version="1.0" encoding="utf-8"?>
+<p:sld xmlns:a="http://schemas.openxmlformats.org/drawingml/2006/main" xmlns:r="http://schemas.openxmlformats.org/officeDocument/2006/relationships" xmlns:p="http://schemas.openxmlformats.org/presentationml/2006/main">
+  <p:cSld>
+    <p:spTree>
+      <p:nvGrpSpPr>
+        <p:cNvPr id="1" name=""/>
+        <p:cNvGrpSpPr/>
+        <p:nvPr/>
+      </p:nvGrpSpPr>
+      <p:grpSpPr>
+        <a:xfrm>
+          <a:off x="0" y="0"/>
+          <a:ext cx="0" cy="0"/>
+          <a:chOff x="0" y="0"/>
+          <a:chExt cx="0" cy="0"/>
+        </a:xfrm>
+      </p:grpSpPr>
+      <p:sp>
+        <p:nvSpPr>
+          <p:cNvPr id="29" name="직사각형 28"/>
+          <p:cNvSpPr/>
+          <p:nvPr/>
+        </p:nvSpPr>
+        <p:spPr>
+          <a:xfrm>
+            <a:off x="110362" y="2427316"/>
+            <a:ext cx="10164169" cy="2360815"/>
+          </a:xfrm>
+          <a:prstGeom prst="rect">
+            <a:avLst/>
+          </a:prstGeom>
+          <a:solidFill>
+            <a:schemeClr val="bg1"/>
+          </a:solidFill>
+        </p:spPr>
+        <p:style>
+          <a:lnRef idx="2">
+            <a:schemeClr val="accent1">
+              <a:shade val="50000"/>
+            </a:schemeClr>
+          </a:lnRef>
+          <a:fillRef idx="1">
+            <a:schemeClr val="accent1"/>
+          </a:fillRef>
+          <a:effectRef idx="0">
+            <a:schemeClr val="accent1"/>
+          </a:effectRef>
+          <a:fontRef idx="minor">
+            <a:schemeClr val="lt1"/>
+          </a:fontRef>
+        </p:style>
+        <p:txBody>
+          <a:bodyPr rtlCol="0" anchor="ctr"/>
+          <a:lstStyle/>
+          <a:p>
+            <a:pPr algn="ctr"/>
+            <a:endParaRPr lang="ko-KR" altLang="en-US"/>
+          </a:p>
+        </p:txBody>
+      </p:sp>
+      <p:sp>
+        <p:nvSpPr>
+          <p:cNvPr id="2" name="제목 1"/>
+          <p:cNvSpPr>
+            <a:spLocks noGrp="1"/>
+          </p:cNvSpPr>
+          <p:nvPr>
+            <p:ph type="title"/>
+          </p:nvPr>
+        </p:nvSpPr>
+        <p:spPr>
+          <a:xfrm>
+            <a:off x="110362" y="74943"/>
+            <a:ext cx="10515600" cy="586853"/>
+          </a:xfrm>
+        </p:spPr>
+        <p:txBody>
+          <a:bodyPr>
+            <a:normAutofit/>
+          </a:bodyPr>
+          <a:lstStyle/>
+          <a:p>
+            <a:r>
+              <a:rPr lang="en-US" altLang="ko-KR" sz="3200" dirty="0" smtClean="0"/>
+              <a:t>Damo process</a:t>
+            </a:r>
+            <a:endParaRPr lang="ko-KR" altLang="en-US" sz="3200" dirty="0"/>
+          </a:p>
+        </p:txBody>
+      </p:sp>
+      <p:sp>
+        <p:nvSpPr>
+          <p:cNvPr id="8" name="직사각형 7"/>
+          <p:cNvSpPr/>
+          <p:nvPr/>
+        </p:nvSpPr>
+        <p:spPr>
+          <a:xfrm>
+            <a:off x="257694" y="3241963"/>
+            <a:ext cx="2643447" cy="798021"/>
+          </a:xfrm>
+          <a:prstGeom prst="rect">
+            <a:avLst/>
+          </a:prstGeom>
+        </p:spPr>
+        <p:style>
+          <a:lnRef idx="2">
+            <a:schemeClr val="accent1">
+              <a:shade val="50000"/>
+            </a:schemeClr>
+          </a:lnRef>
+          <a:fillRef idx="1">
+            <a:schemeClr val="accent1"/>
+          </a:fillRef>
+          <a:effectRef idx="0">
+            <a:schemeClr val="accent1"/>
+          </a:effectRef>
+          <a:fontRef idx="minor">
+            <a:schemeClr val="lt1"/>
+          </a:fontRef>
+        </p:style>
+        <p:txBody>
+          <a:bodyPr rtlCol="0" anchor="ctr"/>
+          <a:lstStyle/>
+          <a:p>
+            <a:pPr algn="ctr"/>
+            <a:r>
+              <a:rPr lang="ko-KR" altLang="en-US" dirty="0"/>
+              <a:t>원</a:t>
+            </a:r>
+            <a:r>
+              <a:rPr lang="ko-KR" altLang="en-US" dirty="0" smtClean="0"/>
+              <a:t>본 테이블</a:t>
+            </a:r>
+            <a:endParaRPr lang="ko-KR" altLang="en-US" dirty="0"/>
+          </a:p>
+        </p:txBody>
+      </p:sp>
+      <p:sp>
+        <p:nvSpPr>
+          <p:cNvPr id="9" name="직사각형 8"/>
+          <p:cNvSpPr/>
+          <p:nvPr/>
+        </p:nvSpPr>
+        <p:spPr>
+          <a:xfrm>
+            <a:off x="3715788" y="3241963"/>
+            <a:ext cx="2643447" cy="798021"/>
+          </a:xfrm>
+          <a:prstGeom prst="rect">
+            <a:avLst/>
+          </a:prstGeom>
+        </p:spPr>
+        <p:style>
+          <a:lnRef idx="2">
+            <a:schemeClr val="accent1">
+              <a:shade val="50000"/>
+            </a:schemeClr>
+          </a:lnRef>
+          <a:fillRef idx="1">
+            <a:schemeClr val="accent1"/>
+          </a:fillRef>
+          <a:effectRef idx="0">
+            <a:schemeClr val="accent1"/>
+          </a:effectRef>
+          <a:fontRef idx="minor">
+            <a:schemeClr val="lt1"/>
+          </a:fontRef>
+        </p:style>
+        <p:txBody>
+          <a:bodyPr rtlCol="0" anchor="ctr"/>
+          <a:lstStyle/>
+          <a:p>
+            <a:pPr algn="ctr"/>
+            <a:r>
+              <a:rPr lang="ko-KR" altLang="en-US" dirty="0" smtClean="0"/>
+              <a:t>뷰</a:t>
+            </a:r>
+            <a:r>
+              <a:rPr lang="en-US" altLang="ko-KR" dirty="0" smtClean="0"/>
+              <a:t>(</a:t>
+            </a:r>
+            <a:r>
+              <a:rPr lang="ko-KR" altLang="en-US" dirty="0" smtClean="0"/>
+              <a:t>뷰 이름</a:t>
+            </a:r>
+            <a:r>
+              <a:rPr lang="en-US" altLang="ko-KR" dirty="0" smtClean="0"/>
+              <a:t>$$)</a:t>
+            </a:r>
+            <a:endParaRPr lang="ko-KR" altLang="en-US" dirty="0"/>
+          </a:p>
+        </p:txBody>
+      </p:sp>
+      <p:sp>
+        <p:nvSpPr>
+          <p:cNvPr id="10" name="직사각형 9"/>
+          <p:cNvSpPr/>
+          <p:nvPr/>
+        </p:nvSpPr>
+        <p:spPr>
+          <a:xfrm>
+            <a:off x="7049192" y="3241963"/>
+            <a:ext cx="2643447" cy="798021"/>
+          </a:xfrm>
+          <a:prstGeom prst="rect">
+            <a:avLst/>
+          </a:prstGeom>
+        </p:spPr>
+        <p:style>
+          <a:lnRef idx="2">
+            <a:schemeClr val="accent1">
+              <a:shade val="50000"/>
+            </a:schemeClr>
+          </a:lnRef>
+          <a:fillRef idx="1">
+            <a:schemeClr val="accent1"/>
+          </a:fillRef>
+          <a:effectRef idx="0">
+            <a:schemeClr val="accent1"/>
+          </a:effectRef>
+          <a:fontRef idx="minor">
+            <a:schemeClr val="lt1"/>
+          </a:fontRef>
+        </p:style>
+        <p:txBody>
+          <a:bodyPr rtlCol="0" anchor="ctr"/>
+          <a:lstStyle/>
+          <a:p>
+            <a:pPr algn="ctr"/>
+            <a:r>
+              <a:rPr lang="ko-KR" altLang="en-US" dirty="0" smtClean="0"/>
+              <a:t>뷰</a:t>
+            </a:r>
+            <a:endParaRPr lang="ko-KR" altLang="en-US" dirty="0"/>
+          </a:p>
+        </p:txBody>
+      </p:sp>
+      <p:sp>
+        <p:nvSpPr>
+          <p:cNvPr id="11" name="TextBox 10"/>
+          <p:cNvSpPr txBox="1"/>
+          <p:nvPr/>
+        </p:nvSpPr>
+        <p:spPr>
+          <a:xfrm>
+            <a:off x="1729051" y="2575160"/>
+            <a:ext cx="3314811" cy="369332"/>
+          </a:xfrm>
+          <a:prstGeom prst="rect">
+            <a:avLst/>
+          </a:prstGeom>
+          <a:noFill/>
+        </p:spPr>
+        <p:txBody>
+          <a:bodyPr wrap="square" rtlCol="0">
+            <a:spAutoFit/>
+          </a:bodyPr>
+          <a:lstStyle/>
+          <a:p>
+            <a:r>
+              <a:rPr lang="en-US" altLang="ko-KR" dirty="0" smtClean="0"/>
+              <a:t>DAMO</a:t>
+            </a:r>
+            <a:r>
+              <a:rPr lang="ko-KR" altLang="en-US" dirty="0" smtClean="0"/>
+              <a:t> </a:t>
+            </a:r>
+            <a:r>
+              <a:rPr lang="ko-KR" altLang="en-US" dirty="0" err="1" smtClean="0"/>
+              <a:t>복호화</a:t>
+            </a:r>
+            <a:r>
+              <a:rPr lang="ko-KR" altLang="en-US" dirty="0" smtClean="0"/>
+              <a:t> 함수 적용 쿼리</a:t>
+            </a:r>
+            <a:endParaRPr lang="ko-KR" altLang="en-US" dirty="0"/>
+          </a:p>
+        </p:txBody>
+      </p:sp>
+      <p:sp>
+        <p:nvSpPr>
+          <p:cNvPr id="12" name="TextBox 11"/>
+          <p:cNvSpPr txBox="1"/>
+          <p:nvPr/>
+        </p:nvSpPr>
+        <p:spPr>
+          <a:xfrm>
+            <a:off x="8620299" y="4247803"/>
+            <a:ext cx="1388226" cy="369332"/>
+          </a:xfrm>
+          <a:prstGeom prst="rect">
+            <a:avLst/>
+          </a:prstGeom>
+          <a:noFill/>
+        </p:spPr>
+        <p:txBody>
+          <a:bodyPr wrap="square" rtlCol="0">
+            <a:spAutoFit/>
+          </a:bodyPr>
+          <a:lstStyle/>
+          <a:p>
+            <a:r>
+              <a:rPr lang="en-US" altLang="ko-KR" dirty="0" smtClean="0"/>
+              <a:t>CRUD </a:t>
+            </a:r>
+            <a:r>
+              <a:rPr lang="ko-KR" altLang="en-US" dirty="0" smtClean="0"/>
+              <a:t>처리</a:t>
+            </a:r>
+            <a:endParaRPr lang="ko-KR" altLang="en-US" dirty="0"/>
+          </a:p>
+        </p:txBody>
+      </p:sp>
+      <p:sp>
+        <p:nvSpPr>
+          <p:cNvPr id="13" name="TextBox 12"/>
+          <p:cNvSpPr txBox="1"/>
+          <p:nvPr/>
+        </p:nvSpPr>
+        <p:spPr>
+          <a:xfrm>
+            <a:off x="1367443" y="4247803"/>
+            <a:ext cx="2456411" cy="369332"/>
+          </a:xfrm>
+          <a:prstGeom prst="rect">
+            <a:avLst/>
+          </a:prstGeom>
+          <a:noFill/>
+        </p:spPr>
+        <p:txBody>
+          <a:bodyPr wrap="square" rtlCol="0">
+            <a:spAutoFit/>
+          </a:bodyPr>
+          <a:lstStyle/>
+          <a:p>
+            <a:r>
+              <a:rPr lang="en-US" altLang="ko-KR" dirty="0" smtClean="0"/>
+              <a:t>Trigger</a:t>
+            </a:r>
+            <a:r>
+              <a:rPr lang="ko-KR" altLang="en-US" dirty="0" smtClean="0"/>
+              <a:t>로 암호화 처리 </a:t>
+            </a:r>
+            <a:endParaRPr lang="ko-KR" altLang="en-US" dirty="0"/>
+          </a:p>
+        </p:txBody>
+      </p:sp>
+      <p:cxnSp>
+        <p:nvCxnSpPr>
+          <p:cNvPr id="15" name="꺾인 연결선 14"/>
+          <p:cNvCxnSpPr>
+            <a:stCxn id="8" idx="0"/>
+            <a:endCxn id="9" idx="0"/>
+          </p:cNvCxnSpPr>
+          <p:nvPr/>
+        </p:nvCxnSpPr>
+        <p:spPr>
+          <a:xfrm rot="5400000" flipH="1" flipV="1">
+            <a:off x="3308465" y="1512916"/>
+            <a:ext cx="12700" cy="3458094"/>
+          </a:xfrm>
+          <a:prstGeom prst="bentConnector3">
+            <a:avLst>
+              <a:gd name="adj1" fmla="val 2585457"/>
+            </a:avLst>
+          </a:prstGeom>
+          <a:ln>
+            <a:tailEnd type="triangle"/>
+          </a:ln>
+        </p:spPr>
+        <p:style>
+          <a:lnRef idx="1">
+            <a:schemeClr val="accent1"/>
+          </a:lnRef>
+          <a:fillRef idx="0">
+            <a:schemeClr val="accent1"/>
+          </a:fillRef>
+          <a:effectRef idx="0">
+            <a:schemeClr val="accent1"/>
+          </a:effectRef>
+          <a:fontRef idx="minor">
+            <a:schemeClr val="tx1"/>
+          </a:fontRef>
+        </p:style>
+      </p:cxnSp>
+      <p:cxnSp>
+        <p:nvCxnSpPr>
+          <p:cNvPr id="17" name="꺾인 연결선 16"/>
+          <p:cNvCxnSpPr/>
+          <p:nvPr/>
+        </p:nvCxnSpPr>
+        <p:spPr>
+          <a:xfrm rot="5400000" flipH="1" flipV="1">
+            <a:off x="7340138" y="1512916"/>
+            <a:ext cx="12700" cy="3458094"/>
+          </a:xfrm>
+          <a:prstGeom prst="bentConnector3">
+            <a:avLst>
+              <a:gd name="adj1" fmla="val 2585457"/>
+            </a:avLst>
+          </a:prstGeom>
+          <a:ln>
+            <a:tailEnd type="triangle"/>
+          </a:ln>
+        </p:spPr>
+        <p:style>
+          <a:lnRef idx="1">
+            <a:schemeClr val="accent1"/>
+          </a:lnRef>
+          <a:fillRef idx="0">
+            <a:schemeClr val="accent1"/>
+          </a:fillRef>
+          <a:effectRef idx="0">
+            <a:schemeClr val="accent1"/>
+          </a:effectRef>
+          <a:fontRef idx="minor">
+            <a:schemeClr val="tx1"/>
+          </a:fontRef>
+        </p:style>
+      </p:cxnSp>
+      <p:cxnSp>
+        <p:nvCxnSpPr>
+          <p:cNvPr id="23" name="꺾인 연결선 22"/>
+          <p:cNvCxnSpPr>
+            <a:stCxn id="10" idx="2"/>
+            <a:endCxn id="9" idx="2"/>
+          </p:cNvCxnSpPr>
+          <p:nvPr/>
+        </p:nvCxnSpPr>
+        <p:spPr>
+          <a:xfrm rot="5400000">
+            <a:off x="6704214" y="2373282"/>
+            <a:ext cx="12700" cy="3333404"/>
+          </a:xfrm>
+          <a:prstGeom prst="bentConnector3">
+            <a:avLst>
+              <a:gd name="adj1" fmla="val 1800000"/>
+            </a:avLst>
+          </a:prstGeom>
+          <a:ln>
+            <a:tailEnd type="triangle"/>
+          </a:ln>
+        </p:spPr>
+        <p:style>
+          <a:lnRef idx="1">
+            <a:schemeClr val="accent1"/>
+          </a:lnRef>
+          <a:fillRef idx="0">
+            <a:schemeClr val="accent1"/>
+          </a:fillRef>
+          <a:effectRef idx="0">
+            <a:schemeClr val="accent1"/>
+          </a:effectRef>
+          <a:fontRef idx="minor">
+            <a:schemeClr val="tx1"/>
+          </a:fontRef>
+        </p:style>
+      </p:cxnSp>
+      <p:cxnSp>
+        <p:nvCxnSpPr>
+          <p:cNvPr id="26" name="꺾인 연결선 25"/>
+          <p:cNvCxnSpPr/>
+          <p:nvPr/>
+        </p:nvCxnSpPr>
+        <p:spPr>
+          <a:xfrm rot="5400000">
+            <a:off x="2680853" y="2373282"/>
+            <a:ext cx="12700" cy="3333404"/>
+          </a:xfrm>
+          <a:prstGeom prst="bentConnector3">
+            <a:avLst>
+              <a:gd name="adj1" fmla="val 1800000"/>
+            </a:avLst>
+          </a:prstGeom>
+          <a:ln>
+            <a:tailEnd type="triangle"/>
+          </a:ln>
+        </p:spPr>
+        <p:style>
+          <a:lnRef idx="1">
+            <a:schemeClr val="accent1"/>
+          </a:lnRef>
+          <a:fillRef idx="0">
+            <a:schemeClr val="accent1"/>
+          </a:fillRef>
+          <a:effectRef idx="0">
+            <a:schemeClr val="accent1"/>
+          </a:effectRef>
+          <a:fontRef idx="minor">
+            <a:schemeClr val="tx1"/>
+          </a:fontRef>
+        </p:style>
+      </p:cxnSp>
+      <p:cxnSp>
+        <p:nvCxnSpPr>
+          <p:cNvPr id="28" name="직선 화살표 연결선 27"/>
+          <p:cNvCxnSpPr>
+            <a:stCxn id="12" idx="0"/>
+          </p:cNvCxnSpPr>
+          <p:nvPr/>
+        </p:nvCxnSpPr>
+        <p:spPr>
+          <a:xfrm flipV="1">
+            <a:off x="9314412" y="4046334"/>
+            <a:ext cx="0" cy="201469"/>
+          </a:xfrm>
+          <a:prstGeom prst="straightConnector1">
+            <a:avLst/>
+          </a:prstGeom>
+          <a:ln>
+            <a:tailEnd type="triangle"/>
+          </a:ln>
+        </p:spPr>
+        <p:style>
+          <a:lnRef idx="1">
+            <a:schemeClr val="accent1"/>
+          </a:lnRef>
+          <a:fillRef idx="0">
+            <a:schemeClr val="accent1"/>
+          </a:fillRef>
+          <a:effectRef idx="0">
+            <a:schemeClr val="accent1"/>
+          </a:effectRef>
+          <a:fontRef idx="minor">
+            <a:schemeClr val="tx1"/>
+          </a:fontRef>
+        </p:style>
+      </p:cxnSp>
+    </p:spTree>
+    <p:extLst>
+      <p:ext uri="{BB962C8B-B14F-4D97-AF65-F5344CB8AC3E}">
+        <p14:creationId xmlns:p14="http://schemas.microsoft.com/office/powerpoint/2010/main" val="2836438952"/>
+      </p:ext>
+    </p:extLst>
+  </p:cSld>
+  <p:clrMapOvr>
+    <a:masterClrMapping/>
+  </p:clrMapOvr>
+</p:sld>
+</file>
+
 <file path=ppt/theme/theme1.xml><?xml version="1.0" encoding="utf-8"?>
 <a:theme xmlns:a="http://schemas.openxmlformats.org/drawingml/2006/main" name="Office 테마">
   <a:themeElements>
